--- a/Week8_Tutoring.pptx
+++ b/Week8_Tutoring.pptx
@@ -5,17 +5,18 @@
     <p:sldMasterId id="2147483648" r:id="rId1"/>
   </p:sldMasterIdLst>
   <p:notesMasterIdLst>
-    <p:notesMasterId r:id="rId10"/>
+    <p:notesMasterId r:id="rId11"/>
   </p:notesMasterIdLst>
   <p:sldIdLst>
     <p:sldId id="256" r:id="rId2"/>
     <p:sldId id="351" r:id="rId3"/>
     <p:sldId id="399" r:id="rId4"/>
-    <p:sldId id="396" r:id="rId5"/>
-    <p:sldId id="397" r:id="rId6"/>
-    <p:sldId id="398" r:id="rId7"/>
-    <p:sldId id="395" r:id="rId8"/>
-    <p:sldId id="297" r:id="rId9"/>
+    <p:sldId id="400" r:id="rId5"/>
+    <p:sldId id="396" r:id="rId6"/>
+    <p:sldId id="397" r:id="rId7"/>
+    <p:sldId id="398" r:id="rId8"/>
+    <p:sldId id="395" r:id="rId9"/>
+    <p:sldId id="297" r:id="rId10"/>
   </p:sldIdLst>
   <p:sldSz cx="12192000" cy="6858000"/>
   <p:notesSz cx="6858000" cy="9144000"/>
@@ -4158,6 +4159,468 @@
         </p:nvSpPr>
         <p:spPr bwMode="auto">
           <a:xfrm>
+            <a:off x="0" y="979209"/>
+            <a:ext cx="12192000" cy="1318181"/>
+          </a:xfrm>
+          <a:prstGeom prst="rect">
+            <a:avLst/>
+          </a:prstGeom>
+          <a:noFill/>
+          <a:ln w="28575">
+            <a:solidFill>
+              <a:srgbClr val="FF0000"/>
+            </a:solidFill>
+            <a:miter lim="800000"/>
+            <a:headEnd/>
+            <a:tailEnd/>
+          </a:ln>
+          <a:effectLst/>
+          <a:extLst>
+            <a:ext uri="{909E8E84-426E-40DD-AFC4-6F175D3DCCD1}">
+              <a14:hiddenFill xmlns:a14="http://schemas.microsoft.com/office/drawing/2010/main">
+                <a:solidFill>
+                  <a:schemeClr val="accent1"/>
+                </a:solidFill>
+              </a14:hiddenFill>
+            </a:ext>
+            <a:ext uri="{AF507438-7753-43E0-B8FC-AC1667EBCBE1}">
+              <a14:hiddenEffects xmlns:a14="http://schemas.microsoft.com/office/drawing/2010/main">
+                <a:effectLst>
+                  <a:outerShdw dist="35921" dir="2700000" algn="ctr" rotWithShape="0">
+                    <a:schemeClr val="bg2"/>
+                  </a:outerShdw>
+                </a:effectLst>
+              </a14:hiddenEffects>
+            </a:ext>
+          </a:extLst>
+        </p:spPr>
+        <p:txBody>
+          <a:bodyPr vert="horz" wrap="square" lIns="91440" tIns="45720" rIns="91440" bIns="45720" numCol="1" anchor="ctr" anchorCtr="0" compatLnSpc="1">
+            <a:prstTxWarp prst="textNoShape">
+              <a:avLst/>
+            </a:prstTxWarp>
+            <a:spAutoFit/>
+          </a:bodyPr>
+          <a:lstStyle/>
+          <a:p>
+            <a:pPr algn="l">
+              <a:lnSpc>
+                <a:spcPct val="150000"/>
+              </a:lnSpc>
+            </a:pPr>
+            <a:r>
+              <a:rPr lang="en-US" sz="2800" b="1" i="0" dirty="0">
+                <a:solidFill>
+                  <a:srgbClr val="252320"/>
+                </a:solidFill>
+                <a:effectLst/>
+                <a:latin typeface="Calibri" panose="020F0502020204030204" pitchFamily="34" charset="0"/>
+                <a:cs typeface="Calibri" panose="020F0502020204030204" pitchFamily="34" charset="0"/>
+              </a:rPr>
+              <a:t>Next Week is Semester Break:</a:t>
+            </a:r>
+          </a:p>
+          <a:p>
+            <a:pPr algn="l">
+              <a:lnSpc>
+                <a:spcPct val="150000"/>
+              </a:lnSpc>
+            </a:pPr>
+            <a:r>
+              <a:rPr lang="en-US" sz="2800" b="0" i="0" dirty="0">
+                <a:solidFill>
+                  <a:srgbClr val="252320"/>
+                </a:solidFill>
+                <a:effectLst/>
+                <a:latin typeface="Calibri" panose="020F0502020204030204" pitchFamily="34" charset="0"/>
+                <a:cs typeface="Calibri" panose="020F0502020204030204" pitchFamily="34" charset="0"/>
+              </a:rPr>
+              <a:t>Monday 23</a:t>
+            </a:r>
+            <a:r>
+              <a:rPr lang="en-US" sz="2800" b="0" i="0" baseline="30000" dirty="0">
+                <a:solidFill>
+                  <a:srgbClr val="252320"/>
+                </a:solidFill>
+                <a:effectLst/>
+                <a:latin typeface="Calibri" panose="020F0502020204030204" pitchFamily="34" charset="0"/>
+                <a:cs typeface="Calibri" panose="020F0502020204030204" pitchFamily="34" charset="0"/>
+              </a:rPr>
+              <a:t>rd</a:t>
+            </a:r>
+            <a:r>
+              <a:rPr lang="en-US" sz="2800" b="0" i="0" dirty="0">
+                <a:solidFill>
+                  <a:srgbClr val="252320"/>
+                </a:solidFill>
+                <a:effectLst/>
+                <a:latin typeface="Calibri" panose="020F0502020204030204" pitchFamily="34" charset="0"/>
+                <a:cs typeface="Calibri" panose="020F0502020204030204" pitchFamily="34" charset="0"/>
+              </a:rPr>
+              <a:t> of September and will finish on Sunday 29</a:t>
+            </a:r>
+            <a:r>
+              <a:rPr lang="en-US" sz="2800" b="0" i="0" baseline="30000" dirty="0">
+                <a:solidFill>
+                  <a:srgbClr val="252320"/>
+                </a:solidFill>
+                <a:effectLst/>
+                <a:latin typeface="Calibri" panose="020F0502020204030204" pitchFamily="34" charset="0"/>
+                <a:cs typeface="Calibri" panose="020F0502020204030204" pitchFamily="34" charset="0"/>
+              </a:rPr>
+              <a:t>th</a:t>
+            </a:r>
+            <a:r>
+              <a:rPr lang="en-US" sz="2800" b="0" i="0" dirty="0">
+                <a:solidFill>
+                  <a:srgbClr val="252320"/>
+                </a:solidFill>
+                <a:effectLst/>
+                <a:latin typeface="Calibri" panose="020F0502020204030204" pitchFamily="34" charset="0"/>
+                <a:cs typeface="Calibri" panose="020F0502020204030204" pitchFamily="34" charset="0"/>
+              </a:rPr>
+              <a:t> of September 2024.</a:t>
+            </a:r>
+            <a:endParaRPr lang="en-US" sz="2800" b="0" i="0" dirty="0">
+              <a:effectLst/>
+              <a:highlight>
+                <a:srgbClr val="00FFFF"/>
+              </a:highlight>
+              <a:latin typeface="Calibri" panose="020F0502020204030204" pitchFamily="34" charset="0"/>
+              <a:cs typeface="Calibri" panose="020F0502020204030204" pitchFamily="34" charset="0"/>
+            </a:endParaRPr>
+          </a:p>
+        </p:txBody>
+      </p:sp>
+      <p:sp>
+        <p:nvSpPr>
+          <p:cNvPr id="5" name="TextBox 4">
+            <a:extLst>
+              <a:ext uri="{FF2B5EF4-FFF2-40B4-BE49-F238E27FC236}">
+                <a16:creationId xmlns:a16="http://schemas.microsoft.com/office/drawing/2014/main" id="{A6A71A7B-F59A-B11F-07B3-E14754C667AD}"/>
+              </a:ext>
+            </a:extLst>
+          </p:cNvPr>
+          <p:cNvSpPr txBox="1"/>
+          <p:nvPr/>
+        </p:nvSpPr>
+        <p:spPr>
+          <a:xfrm>
+            <a:off x="0" y="0"/>
+            <a:ext cx="4572000" cy="600164"/>
+          </a:xfrm>
+          <a:prstGeom prst="rect">
+            <a:avLst/>
+          </a:prstGeom>
+          <a:noFill/>
+        </p:spPr>
+        <p:txBody>
+          <a:bodyPr wrap="square" rtlCol="0">
+            <a:spAutoFit/>
+          </a:bodyPr>
+          <a:lstStyle/>
+          <a:p>
+            <a:r>
+              <a:rPr lang="en-AU" sz="3300" b="1" dirty="0">
+                <a:latin typeface="Calibri" panose="020F0502020204030204" pitchFamily="34" charset="0"/>
+                <a:cs typeface="Calibri" panose="020F0502020204030204" pitchFamily="34" charset="0"/>
+              </a:rPr>
+              <a:t>Overview Weeks 8 and 9</a:t>
+            </a:r>
+          </a:p>
+        </p:txBody>
+      </p:sp>
+      <p:sp>
+        <p:nvSpPr>
+          <p:cNvPr id="2" name="Rectangle 1">
+            <a:extLst>
+              <a:ext uri="{FF2B5EF4-FFF2-40B4-BE49-F238E27FC236}">
+                <a16:creationId xmlns:a16="http://schemas.microsoft.com/office/drawing/2014/main" id="{D0E0875E-6764-A5AB-33A8-8D14377C2722}"/>
+              </a:ext>
+            </a:extLst>
+          </p:cNvPr>
+          <p:cNvSpPr>
+            <a:spLocks noChangeArrowheads="1"/>
+          </p:cNvSpPr>
+          <p:nvPr/>
+        </p:nvSpPr>
+        <p:spPr bwMode="auto">
+          <a:xfrm>
+            <a:off x="0" y="2676435"/>
+            <a:ext cx="12192000" cy="3903504"/>
+          </a:xfrm>
+          <a:prstGeom prst="rect">
+            <a:avLst/>
+          </a:prstGeom>
+          <a:noFill/>
+          <a:ln w="28575">
+            <a:solidFill>
+              <a:srgbClr val="FF0000"/>
+            </a:solidFill>
+            <a:miter lim="800000"/>
+            <a:headEnd/>
+            <a:tailEnd/>
+          </a:ln>
+          <a:effectLst/>
+          <a:extLst>
+            <a:ext uri="{909E8E84-426E-40DD-AFC4-6F175D3DCCD1}">
+              <a14:hiddenFill xmlns:a14="http://schemas.microsoft.com/office/drawing/2010/main">
+                <a:solidFill>
+                  <a:schemeClr val="accent1"/>
+                </a:solidFill>
+              </a14:hiddenFill>
+            </a:ext>
+            <a:ext uri="{AF507438-7753-43E0-B8FC-AC1667EBCBE1}">
+              <a14:hiddenEffects xmlns:a14="http://schemas.microsoft.com/office/drawing/2010/main">
+                <a:effectLst>
+                  <a:outerShdw dist="35921" dir="2700000" algn="ctr" rotWithShape="0">
+                    <a:schemeClr val="bg2"/>
+                  </a:outerShdw>
+                </a:effectLst>
+              </a14:hiddenEffects>
+            </a:ext>
+          </a:extLst>
+        </p:spPr>
+        <p:txBody>
+          <a:bodyPr vert="horz" wrap="square" lIns="91440" tIns="45720" rIns="91440" bIns="45720" numCol="1" anchor="ctr" anchorCtr="0" compatLnSpc="1">
+            <a:prstTxWarp prst="textNoShape">
+              <a:avLst/>
+            </a:prstTxWarp>
+            <a:spAutoFit/>
+          </a:bodyPr>
+          <a:lstStyle/>
+          <a:p>
+            <a:pPr algn="l">
+              <a:lnSpc>
+                <a:spcPct val="150000"/>
+              </a:lnSpc>
+            </a:pPr>
+            <a:r>
+              <a:rPr lang="en-US" sz="2800" i="0" dirty="0">
+                <a:solidFill>
+                  <a:srgbClr val="252320"/>
+                </a:solidFill>
+                <a:effectLst/>
+                <a:latin typeface="Calibri" panose="020F0502020204030204" pitchFamily="34" charset="0"/>
+                <a:cs typeface="Calibri" panose="020F0502020204030204" pitchFamily="34" charset="0"/>
+              </a:rPr>
+              <a:t>Have registered with </a:t>
+            </a:r>
+            <a:r>
+              <a:rPr lang="en-US" sz="2800" i="0" dirty="0" err="1">
+                <a:solidFill>
+                  <a:srgbClr val="252320"/>
+                </a:solidFill>
+                <a:effectLst/>
+                <a:latin typeface="Calibri" panose="020F0502020204030204" pitchFamily="34" charset="0"/>
+                <a:cs typeface="Calibri" panose="020F0502020204030204" pitchFamily="34" charset="0"/>
+              </a:rPr>
+              <a:t>Certiport</a:t>
+            </a:r>
+            <a:r>
+              <a:rPr lang="en-US" sz="2800" dirty="0">
+                <a:solidFill>
+                  <a:srgbClr val="252320"/>
+                </a:solidFill>
+                <a:latin typeface="Calibri" panose="020F0502020204030204" pitchFamily="34" charset="0"/>
+                <a:cs typeface="Calibri" panose="020F0502020204030204" pitchFamily="34" charset="0"/>
+              </a:rPr>
+              <a:t> </a:t>
+            </a:r>
+            <a:r>
+              <a:rPr lang="en-US" sz="2800" i="0" dirty="0">
+                <a:solidFill>
+                  <a:srgbClr val="252320"/>
+                </a:solidFill>
+                <a:effectLst/>
+                <a:latin typeface="Calibri" panose="020F0502020204030204" pitchFamily="34" charset="0"/>
+                <a:cs typeface="Calibri" panose="020F0502020204030204" pitchFamily="34" charset="0"/>
+              </a:rPr>
+              <a:t>using the provided link </a:t>
+            </a:r>
+            <a:r>
+              <a:rPr lang="en-AU" sz="2800" dirty="0">
+                <a:hlinkClick r:id="rId2"/>
+              </a:rPr>
+              <a:t>https://app.certiport.com/portal/signup</a:t>
+            </a:r>
+            <a:r>
+              <a:rPr lang="en-AU" sz="2800" dirty="0"/>
+              <a:t> </a:t>
+            </a:r>
+            <a:r>
+              <a:rPr lang="en-US" sz="2800" i="0" dirty="0">
+                <a:solidFill>
+                  <a:srgbClr val="252320"/>
+                </a:solidFill>
+                <a:effectLst/>
+                <a:latin typeface="Calibri" panose="020F0502020204030204" pitchFamily="34" charset="0"/>
+                <a:cs typeface="Calibri" panose="020F0502020204030204" pitchFamily="34" charset="0"/>
+              </a:rPr>
+              <a:t>? You will need to use the ACU email that has this format Sxxxxxx@myacu.edu.au. Username should be your student ID </a:t>
+            </a:r>
+            <a:r>
+              <a:rPr lang="en-US" sz="2800" i="0" dirty="0" err="1">
+                <a:solidFill>
+                  <a:srgbClr val="252320"/>
+                </a:solidFill>
+                <a:effectLst/>
+                <a:latin typeface="Calibri" panose="020F0502020204030204" pitchFamily="34" charset="0"/>
+                <a:cs typeface="Calibri" panose="020F0502020204030204" pitchFamily="34" charset="0"/>
+              </a:rPr>
+              <a:t>Sxxxxxxxx</a:t>
+            </a:r>
+            <a:r>
+              <a:rPr lang="en-US" sz="2800" i="0" dirty="0">
+                <a:solidFill>
+                  <a:srgbClr val="252320"/>
+                </a:solidFill>
+                <a:effectLst/>
+                <a:latin typeface="Calibri" panose="020F0502020204030204" pitchFamily="34" charset="0"/>
+                <a:cs typeface="Calibri" panose="020F0502020204030204" pitchFamily="34" charset="0"/>
+              </a:rPr>
+              <a:t>.</a:t>
+            </a:r>
+          </a:p>
+          <a:p>
+            <a:pPr marL="457200" indent="-457200" algn="l">
+              <a:lnSpc>
+                <a:spcPct val="150000"/>
+              </a:lnSpc>
+              <a:buFont typeface="Arial" panose="020B0604020202020204" pitchFamily="34" charset="0"/>
+              <a:buChar char="•"/>
+            </a:pPr>
+            <a:r>
+              <a:rPr lang="en-US" sz="2800" dirty="0">
+                <a:solidFill>
+                  <a:srgbClr val="252320"/>
+                </a:solidFill>
+                <a:highlight>
+                  <a:srgbClr val="00FFFF"/>
+                </a:highlight>
+                <a:latin typeface="Calibri" panose="020F0502020204030204" pitchFamily="34" charset="0"/>
+                <a:cs typeface="Calibri" panose="020F0502020204030204" pitchFamily="34" charset="0"/>
+              </a:rPr>
+              <a:t>Username is your student ID</a:t>
+            </a:r>
+          </a:p>
+          <a:p>
+            <a:pPr marL="457200" indent="-457200" algn="l">
+              <a:lnSpc>
+                <a:spcPct val="150000"/>
+              </a:lnSpc>
+              <a:buFont typeface="Arial" panose="020B0604020202020204" pitchFamily="34" charset="0"/>
+              <a:buChar char="•"/>
+            </a:pPr>
+            <a:r>
+              <a:rPr lang="en-US" sz="2800" i="0" dirty="0">
+                <a:solidFill>
+                  <a:srgbClr val="252320"/>
+                </a:solidFill>
+                <a:effectLst/>
+                <a:highlight>
+                  <a:srgbClr val="00FFFF"/>
+                </a:highlight>
+                <a:latin typeface="Calibri" panose="020F0502020204030204" pitchFamily="34" charset="0"/>
+                <a:cs typeface="Calibri" panose="020F0502020204030204" pitchFamily="34" charset="0"/>
+              </a:rPr>
+              <a:t>Please do not create multiple accounts!</a:t>
+            </a:r>
+            <a:endParaRPr lang="en-US" sz="2800" i="0" dirty="0">
+              <a:effectLst/>
+              <a:highlight>
+                <a:srgbClr val="00FFFF"/>
+              </a:highlight>
+              <a:latin typeface="Calibri" panose="020F0502020204030204" pitchFamily="34" charset="0"/>
+              <a:cs typeface="Calibri" panose="020F0502020204030204" pitchFamily="34" charset="0"/>
+            </a:endParaRPr>
+          </a:p>
+        </p:txBody>
+      </p:sp>
+    </p:spTree>
+    <p:extLst>
+      <p:ext uri="{BB962C8B-B14F-4D97-AF65-F5344CB8AC3E}">
+        <p14:creationId xmlns:p14="http://schemas.microsoft.com/office/powerpoint/2010/main" val="86186178"/>
+      </p:ext>
+    </p:extLst>
+  </p:cSld>
+  <p:clrMapOvr>
+    <a:masterClrMapping/>
+  </p:clrMapOvr>
+</p:sld>
+</file>
+
+<file path=ppt/slides/slide4.xml><?xml version="1.0" encoding="utf-8"?>
+<p:sld xmlns:a="http://schemas.openxmlformats.org/drawingml/2006/main" xmlns:r="http://schemas.openxmlformats.org/officeDocument/2006/relationships" xmlns:p="http://schemas.openxmlformats.org/presentationml/2006/main">
+  <p:cSld>
+    <p:spTree>
+      <p:nvGrpSpPr>
+        <p:cNvPr id="1" name=""/>
+        <p:cNvGrpSpPr/>
+        <p:nvPr/>
+      </p:nvGrpSpPr>
+      <p:grpSpPr>
+        <a:xfrm>
+          <a:off x="0" y="0"/>
+          <a:ext cx="0" cy="0"/>
+          <a:chOff x="0" y="0"/>
+          <a:chExt cx="0" cy="0"/>
+        </a:xfrm>
+      </p:grpSpPr>
+      <p:sp>
+        <p:nvSpPr>
+          <p:cNvPr id="5" name="TextBox 4">
+            <a:extLst>
+              <a:ext uri="{FF2B5EF4-FFF2-40B4-BE49-F238E27FC236}">
+                <a16:creationId xmlns:a16="http://schemas.microsoft.com/office/drawing/2014/main" id="{A6A71A7B-F59A-B11F-07B3-E14754C667AD}"/>
+              </a:ext>
+            </a:extLst>
+          </p:cNvPr>
+          <p:cNvSpPr txBox="1"/>
+          <p:nvPr/>
+        </p:nvSpPr>
+        <p:spPr>
+          <a:xfrm>
+            <a:off x="0" y="0"/>
+            <a:ext cx="4572000" cy="600164"/>
+          </a:xfrm>
+          <a:prstGeom prst="rect">
+            <a:avLst/>
+          </a:prstGeom>
+          <a:noFill/>
+        </p:spPr>
+        <p:txBody>
+          <a:bodyPr wrap="square" rtlCol="0">
+            <a:spAutoFit/>
+          </a:bodyPr>
+          <a:lstStyle/>
+          <a:p>
+            <a:r>
+              <a:rPr lang="en-AU" sz="3300" b="1" dirty="0">
+                <a:latin typeface="Calibri" panose="020F0502020204030204" pitchFamily="34" charset="0"/>
+                <a:cs typeface="Calibri" panose="020F0502020204030204" pitchFamily="34" charset="0"/>
+              </a:rPr>
+              <a:t>Overview Weeks 8 and 9</a:t>
+            </a:r>
+          </a:p>
+        </p:txBody>
+      </p:sp>
+      <p:sp>
+        <p:nvSpPr>
+          <p:cNvPr id="2" name="Rectangle 1">
+            <a:extLst>
+              <a:ext uri="{FF2B5EF4-FFF2-40B4-BE49-F238E27FC236}">
+                <a16:creationId xmlns:a16="http://schemas.microsoft.com/office/drawing/2014/main" id="{D0E0875E-6764-A5AB-33A8-8D14377C2722}"/>
+              </a:ext>
+            </a:extLst>
+          </p:cNvPr>
+          <p:cNvSpPr>
+            <a:spLocks noChangeArrowheads="1"/>
+          </p:cNvSpPr>
+          <p:nvPr/>
+        </p:nvSpPr>
+        <p:spPr bwMode="auto">
+          <a:xfrm>
             <a:off x="0" y="2769909"/>
             <a:ext cx="12192000" cy="1318181"/>
           </a:xfrm>
@@ -4208,7 +4671,7 @@
               </a:lnSpc>
             </a:pPr>
             <a:r>
-              <a:rPr lang="en-US" sz="2800" b="1" i="0" dirty="0">
+              <a:rPr lang="en-US" sz="2800" i="0" dirty="0">
                 <a:solidFill>
                   <a:srgbClr val="252320"/>
                 </a:solidFill>
@@ -4216,71 +4679,9 @@
                 <a:latin typeface="Calibri" panose="020F0502020204030204" pitchFamily="34" charset="0"/>
                 <a:cs typeface="Calibri" panose="020F0502020204030204" pitchFamily="34" charset="0"/>
               </a:rPr>
-              <a:t>Next Week is Semester Break:</a:t>
-            </a:r>
-          </a:p>
-          <a:p>
-            <a:pPr algn="l">
-              <a:lnSpc>
-                <a:spcPct val="150000"/>
-              </a:lnSpc>
-            </a:pPr>
-            <a:r>
-              <a:rPr lang="en-US" sz="2800" b="0" i="0" dirty="0">
-                <a:solidFill>
-                  <a:srgbClr val="252320"/>
-                </a:solidFill>
-                <a:effectLst/>
-                <a:latin typeface="Calibri" panose="020F0502020204030204" pitchFamily="34" charset="0"/>
-                <a:cs typeface="Calibri" panose="020F0502020204030204" pitchFamily="34" charset="0"/>
-              </a:rPr>
-              <a:t>Monday 23</a:t>
-            </a:r>
-            <a:r>
-              <a:rPr lang="en-US" sz="2800" b="0" i="0" baseline="30000" dirty="0">
-                <a:solidFill>
-                  <a:srgbClr val="252320"/>
-                </a:solidFill>
-                <a:effectLst/>
-                <a:latin typeface="Calibri" panose="020F0502020204030204" pitchFamily="34" charset="0"/>
-                <a:cs typeface="Calibri" panose="020F0502020204030204" pitchFamily="34" charset="0"/>
-              </a:rPr>
-              <a:t>rd</a:t>
-            </a:r>
-            <a:r>
-              <a:rPr lang="en-US" sz="2800" b="0" i="0" dirty="0">
-                <a:solidFill>
-                  <a:srgbClr val="252320"/>
-                </a:solidFill>
-                <a:effectLst/>
-                <a:latin typeface="Calibri" panose="020F0502020204030204" pitchFamily="34" charset="0"/>
-                <a:cs typeface="Calibri" panose="020F0502020204030204" pitchFamily="34" charset="0"/>
-              </a:rPr>
-              <a:t> of September and will finish on Sunday 29</a:t>
-            </a:r>
-            <a:r>
-              <a:rPr lang="en-US" sz="2800" b="0" i="0" baseline="30000" dirty="0">
-                <a:solidFill>
-                  <a:srgbClr val="252320"/>
-                </a:solidFill>
-                <a:effectLst/>
-                <a:latin typeface="Calibri" panose="020F0502020204030204" pitchFamily="34" charset="0"/>
-                <a:cs typeface="Calibri" panose="020F0502020204030204" pitchFamily="34" charset="0"/>
-              </a:rPr>
-              <a:t>th</a:t>
-            </a:r>
-            <a:r>
-              <a:rPr lang="en-US" sz="2800" b="0" i="0" dirty="0">
-                <a:solidFill>
-                  <a:srgbClr val="252320"/>
-                </a:solidFill>
-                <a:effectLst/>
-                <a:latin typeface="Calibri" panose="020F0502020204030204" pitchFamily="34" charset="0"/>
-                <a:cs typeface="Calibri" panose="020F0502020204030204" pitchFamily="34" charset="0"/>
-              </a:rPr>
-              <a:t> of September 2024.</a:t>
-            </a:r>
-            <a:endParaRPr lang="en-US" sz="2800" b="0" i="0" dirty="0">
+              <a:t>Have you login to compass-cloud with your username and password (this should be in your email box) to check if the cloud icon is working.</a:t>
+            </a:r>
+            <a:endParaRPr lang="en-US" sz="2800" i="0" dirty="0">
               <a:effectLst/>
               <a:highlight>
                 <a:srgbClr val="00FFFF"/>
@@ -4291,48 +4692,127 @@
           </a:p>
         </p:txBody>
       </p:sp>
-      <p:sp>
-        <p:nvSpPr>
-          <p:cNvPr id="5" name="TextBox 4">
-            <a:extLst>
-              <a:ext uri="{FF2B5EF4-FFF2-40B4-BE49-F238E27FC236}">
-                <a16:creationId xmlns:a16="http://schemas.microsoft.com/office/drawing/2014/main" id="{A6A71A7B-F59A-B11F-07B3-E14754C667AD}"/>
-              </a:ext>
-            </a:extLst>
-          </p:cNvPr>
-          <p:cNvSpPr txBox="1"/>
+      <p:pic>
+        <p:nvPicPr>
+          <p:cNvPr id="3" name="Picture 2">
+            <a:extLst>
+              <a:ext uri="{FF2B5EF4-FFF2-40B4-BE49-F238E27FC236}">
+                <a16:creationId xmlns:a16="http://schemas.microsoft.com/office/drawing/2014/main" id="{10F42707-AC96-548E-84FC-8C1B2F8EFFC3}"/>
+              </a:ext>
+            </a:extLst>
+          </p:cNvPr>
+          <p:cNvPicPr>
+            <a:picLocks noChangeAspect="1"/>
+          </p:cNvPicPr>
           <p:nvPr/>
-        </p:nvSpPr>
+        </p:nvPicPr>
+        <p:blipFill>
+          <a:blip r:embed="rId2"/>
+          <a:stretch>
+            <a:fillRect/>
+          </a:stretch>
+        </p:blipFill>
         <p:spPr>
           <a:xfrm>
-            <a:off x="0" y="0"/>
-            <a:ext cx="4572000" cy="600164"/>
+            <a:off x="9525000" y="4104566"/>
+            <a:ext cx="2667000" cy="2753434"/>
+          </a:xfrm>
+          <a:prstGeom prst="rect">
+            <a:avLst/>
+          </a:prstGeom>
+        </p:spPr>
+      </p:pic>
+      <p:sp>
+        <p:nvSpPr>
+          <p:cNvPr id="4" name="Rectangle 3">
+            <a:extLst>
+              <a:ext uri="{FF2B5EF4-FFF2-40B4-BE49-F238E27FC236}">
+                <a16:creationId xmlns:a16="http://schemas.microsoft.com/office/drawing/2014/main" id="{B30E9ADB-0F71-1178-475F-38829E0BBAC1}"/>
+              </a:ext>
+            </a:extLst>
+          </p:cNvPr>
+          <p:cNvSpPr>
+            <a:spLocks noChangeArrowheads="1"/>
+          </p:cNvSpPr>
+          <p:nvPr/>
+        </p:nvSpPr>
+        <p:spPr bwMode="auto">
+          <a:xfrm>
+            <a:off x="0" y="4820274"/>
+            <a:ext cx="9525000" cy="671851"/>
           </a:xfrm>
           <a:prstGeom prst="rect">
             <a:avLst/>
           </a:prstGeom>
           <a:noFill/>
+          <a:ln w="28575">
+            <a:solidFill>
+              <a:srgbClr val="FF0000"/>
+            </a:solidFill>
+            <a:miter lim="800000"/>
+            <a:headEnd/>
+            <a:tailEnd/>
+          </a:ln>
+          <a:effectLst/>
+          <a:extLst>
+            <a:ext uri="{909E8E84-426E-40DD-AFC4-6F175D3DCCD1}">
+              <a14:hiddenFill xmlns:a14="http://schemas.microsoft.com/office/drawing/2010/main">
+                <a:solidFill>
+                  <a:schemeClr val="accent1"/>
+                </a:solidFill>
+              </a14:hiddenFill>
+            </a:ext>
+            <a:ext uri="{AF507438-7753-43E0-B8FC-AC1667EBCBE1}">
+              <a14:hiddenEffects xmlns:a14="http://schemas.microsoft.com/office/drawing/2010/main">
+                <a:effectLst>
+                  <a:outerShdw dist="35921" dir="2700000" algn="ctr" rotWithShape="0">
+                    <a:schemeClr val="bg2"/>
+                  </a:outerShdw>
+                </a:effectLst>
+              </a14:hiddenEffects>
+            </a:ext>
+          </a:extLst>
         </p:spPr>
         <p:txBody>
-          <a:bodyPr wrap="square" rtlCol="0">
+          <a:bodyPr vert="horz" wrap="square" lIns="91440" tIns="45720" rIns="91440" bIns="45720" numCol="1" anchor="ctr" anchorCtr="0" compatLnSpc="1">
+            <a:prstTxWarp prst="textNoShape">
+              <a:avLst/>
+            </a:prstTxWarp>
             <a:spAutoFit/>
           </a:bodyPr>
           <a:lstStyle/>
           <a:p>
-            <a:r>
-              <a:rPr lang="en-AU" sz="3300" b="1" dirty="0">
-                <a:latin typeface="Calibri" panose="020F0502020204030204" pitchFamily="34" charset="0"/>
-                <a:cs typeface="Calibri" panose="020F0502020204030204" pitchFamily="34" charset="0"/>
-              </a:rPr>
-              <a:t>Overview Weeks 8 and 9</a:t>
-            </a:r>
+            <a:pPr algn="l">
+              <a:lnSpc>
+                <a:spcPct val="150000"/>
+              </a:lnSpc>
+            </a:pPr>
+            <a:r>
+              <a:rPr lang="en-US" sz="2800" i="0" dirty="0">
+                <a:solidFill>
+                  <a:srgbClr val="252320"/>
+                </a:solidFill>
+                <a:effectLst/>
+                <a:latin typeface="Calibri" panose="020F0502020204030204" pitchFamily="34" charset="0"/>
+                <a:cs typeface="Calibri" panose="020F0502020204030204" pitchFamily="34" charset="0"/>
+              </a:rPr>
+              <a:t>The exam is 7 projects, each project has 5 tasks</a:t>
+            </a:r>
+            <a:endParaRPr lang="en-US" sz="2800" i="0" dirty="0">
+              <a:effectLst/>
+              <a:highlight>
+                <a:srgbClr val="00FFFF"/>
+              </a:highlight>
+              <a:latin typeface="Calibri" panose="020F0502020204030204" pitchFamily="34" charset="0"/>
+              <a:cs typeface="Calibri" panose="020F0502020204030204" pitchFamily="34" charset="0"/>
+            </a:endParaRPr>
           </a:p>
         </p:txBody>
       </p:sp>
     </p:spTree>
     <p:extLst>
       <p:ext uri="{BB962C8B-B14F-4D97-AF65-F5344CB8AC3E}">
-        <p14:creationId xmlns:p14="http://schemas.microsoft.com/office/powerpoint/2010/main" val="86186178"/>
+        <p14:creationId xmlns:p14="http://schemas.microsoft.com/office/powerpoint/2010/main" val="917522453"/>
       </p:ext>
     </p:extLst>
   </p:cSld>
@@ -4342,7 +4822,7 @@
 </p:sld>
 </file>
 
-<file path=ppt/slides/slide4.xml><?xml version="1.0" encoding="utf-8"?>
+<file path=ppt/slides/slide5.xml><?xml version="1.0" encoding="utf-8"?>
 <p:sld xmlns:a="http://schemas.openxmlformats.org/drawingml/2006/main" xmlns:r="http://schemas.openxmlformats.org/officeDocument/2006/relationships" xmlns:p="http://schemas.openxmlformats.org/presentationml/2006/main">
   <p:cSld>
     <p:spTree>
@@ -4516,7 +4996,7 @@
 </p:sld>
 </file>
 
-<file path=ppt/slides/slide5.xml><?xml version="1.0" encoding="utf-8"?>
+<file path=ppt/slides/slide6.xml><?xml version="1.0" encoding="utf-8"?>
 <p:sld xmlns:a="http://schemas.openxmlformats.org/drawingml/2006/main" xmlns:r="http://schemas.openxmlformats.org/officeDocument/2006/relationships" xmlns:p="http://schemas.openxmlformats.org/presentationml/2006/main">
   <p:cSld>
     <p:spTree>
@@ -4817,7 +5297,7 @@
 </p:sld>
 </file>
 
-<file path=ppt/slides/slide6.xml><?xml version="1.0" encoding="utf-8"?>
+<file path=ppt/slides/slide7.xml><?xml version="1.0" encoding="utf-8"?>
 <p:sld xmlns:a="http://schemas.openxmlformats.org/drawingml/2006/main" xmlns:r="http://schemas.openxmlformats.org/officeDocument/2006/relationships" xmlns:p="http://schemas.openxmlformats.org/presentationml/2006/main">
   <p:cSld>
     <p:spTree>
@@ -5199,7 +5679,7 @@
 </p:sld>
 </file>
 
-<file path=ppt/slides/slide7.xml><?xml version="1.0" encoding="utf-8"?>
+<file path=ppt/slides/slide8.xml><?xml version="1.0" encoding="utf-8"?>
 <p:sld xmlns:a="http://schemas.openxmlformats.org/drawingml/2006/main" xmlns:r="http://schemas.openxmlformats.org/officeDocument/2006/relationships" xmlns:p="http://schemas.openxmlformats.org/presentationml/2006/main">
   <p:cSld>
     <p:spTree>
@@ -5415,7 +5895,7 @@
 </p:sld>
 </file>
 
-<file path=ppt/slides/slide8.xml><?xml version="1.0" encoding="utf-8"?>
+<file path=ppt/slides/slide9.xml><?xml version="1.0" encoding="utf-8"?>
 <p:sld xmlns:a="http://schemas.openxmlformats.org/drawingml/2006/main" xmlns:r="http://schemas.openxmlformats.org/officeDocument/2006/relationships" xmlns:p="http://schemas.openxmlformats.org/presentationml/2006/main">
   <p:cSld>
     <p:bg>
